--- a/발표 자료/5.4 Estimators, Bias and Variance 발표 자료.pptx
+++ b/발표 자료/5.4 Estimators, Bias and Variance 발표 자료.pptx
@@ -866,7 +866,7 @@
           <a:p>
             <a:fld id="{C4408324-A84C-4A45-93B6-78D079CCE772}" type="datetime1">
               <a:rPr lang="en-US" smtClean="0"/>
-              <a:t>2/3/2021</a:t>
+              <a:t>2/9/2021</a:t>
             </a:fld>
             <a:endParaRPr lang="en-US" dirty="0"/>
           </a:p>
@@ -1120,7 +1120,7 @@
           <a:p>
             <a:fld id="{C4408324-A84C-4A45-93B6-78D079CCE772}" type="datetime1">
               <a:rPr lang="en-US" smtClean="0"/>
-              <a:t>2/3/2021</a:t>
+              <a:t>2/9/2021</a:t>
             </a:fld>
             <a:endParaRPr lang="en-US" dirty="0"/>
           </a:p>
@@ -1437,7 +1437,7 @@
           <a:p>
             <a:fld id="{C4408324-A84C-4A45-93B6-78D079CCE772}" type="datetime1">
               <a:rPr lang="en-US" smtClean="0"/>
-              <a:t>2/3/2021</a:t>
+              <a:t>2/9/2021</a:t>
             </a:fld>
             <a:endParaRPr lang="en-US" dirty="0"/>
           </a:p>
@@ -1781,7 +1781,7 @@
           <a:p>
             <a:fld id="{C4408324-A84C-4A45-93B6-78D079CCE772}" type="datetime1">
               <a:rPr lang="en-US" smtClean="0"/>
-              <a:t>2/3/2021</a:t>
+              <a:t>2/9/2021</a:t>
             </a:fld>
             <a:endParaRPr lang="en-US" dirty="0"/>
           </a:p>
@@ -2098,7 +2098,7 @@
           <a:p>
             <a:fld id="{C4408324-A84C-4A45-93B6-78D079CCE772}" type="datetime1">
               <a:rPr lang="en-US" smtClean="0"/>
-              <a:t>2/3/2021</a:t>
+              <a:t>2/9/2021</a:t>
             </a:fld>
             <a:endParaRPr lang="en-US" dirty="0"/>
           </a:p>
@@ -2494,7 +2494,7 @@
           <a:p>
             <a:fld id="{C4408324-A84C-4A45-93B6-78D079CCE772}" type="datetime1">
               <a:rPr lang="en-US" smtClean="0"/>
-              <a:t>2/3/2021</a:t>
+              <a:t>2/9/2021</a:t>
             </a:fld>
             <a:endParaRPr lang="en-US" dirty="0"/>
           </a:p>
@@ -2667,7 +2667,7 @@
           <a:p>
             <a:fld id="{C4408324-A84C-4A45-93B6-78D079CCE772}" type="datetime1">
               <a:rPr lang="en-US" smtClean="0"/>
-              <a:t>2/3/2021</a:t>
+              <a:t>2/9/2021</a:t>
             </a:fld>
             <a:endParaRPr lang="en-US" dirty="0"/>
           </a:p>
@@ -2850,7 +2850,7 @@
           <a:p>
             <a:fld id="{C4408324-A84C-4A45-93B6-78D079CCE772}" type="datetime1">
               <a:rPr lang="en-US" smtClean="0"/>
-              <a:t>2/3/2021</a:t>
+              <a:t>2/9/2021</a:t>
             </a:fld>
             <a:endParaRPr lang="en-US" dirty="0"/>
           </a:p>
@@ -3029,7 +3029,7 @@
           <a:p>
             <a:fld id="{C4408324-A84C-4A45-93B6-78D079CCE772}" type="datetime1">
               <a:rPr lang="en-US" smtClean="0"/>
-              <a:t>2/3/2021</a:t>
+              <a:t>2/9/2021</a:t>
             </a:fld>
             <a:endParaRPr lang="en-US" dirty="0"/>
           </a:p>
@@ -3279,7 +3279,7 @@
           <a:p>
             <a:fld id="{C4408324-A84C-4A45-93B6-78D079CCE772}" type="datetime1">
               <a:rPr lang="en-US" smtClean="0"/>
-              <a:t>2/3/2021</a:t>
+              <a:t>2/9/2021</a:t>
             </a:fld>
             <a:endParaRPr lang="en-US" dirty="0"/>
           </a:p>
@@ -3514,7 +3514,7 @@
           <a:p>
             <a:fld id="{C4408324-A84C-4A45-93B6-78D079CCE772}" type="datetime1">
               <a:rPr lang="en-US" smtClean="0"/>
-              <a:t>2/3/2021</a:t>
+              <a:t>2/9/2021</a:t>
             </a:fld>
             <a:endParaRPr lang="en-US" dirty="0"/>
           </a:p>
@@ -3891,7 +3891,7 @@
           <a:p>
             <a:fld id="{C4408324-A84C-4A45-93B6-78D079CCE772}" type="datetime1">
               <a:rPr lang="en-US" smtClean="0"/>
-              <a:t>2/3/2021</a:t>
+              <a:t>2/9/2021</a:t>
             </a:fld>
             <a:endParaRPr lang="en-US" dirty="0"/>
           </a:p>
@@ -4017,7 +4017,7 @@
           <a:p>
             <a:fld id="{C4408324-A84C-4A45-93B6-78D079CCE772}" type="datetime1">
               <a:rPr lang="en-US" smtClean="0"/>
-              <a:t>2/3/2021</a:t>
+              <a:t>2/9/2021</a:t>
             </a:fld>
             <a:endParaRPr lang="en-US" dirty="0"/>
           </a:p>
@@ -4115,7 +4115,7 @@
           <a:p>
             <a:fld id="{C4408324-A84C-4A45-93B6-78D079CCE772}" type="datetime1">
               <a:rPr lang="en-US" smtClean="0"/>
-              <a:t>2/3/2021</a:t>
+              <a:t>2/9/2021</a:t>
             </a:fld>
             <a:endParaRPr lang="en-US" dirty="0"/>
           </a:p>
@@ -4373,7 +4373,7 @@
           <a:p>
             <a:fld id="{C4408324-A84C-4A45-93B6-78D079CCE772}" type="datetime1">
               <a:rPr lang="en-US" smtClean="0"/>
-              <a:t>2/3/2021</a:t>
+              <a:t>2/9/2021</a:t>
             </a:fld>
             <a:endParaRPr lang="en-US" dirty="0"/>
           </a:p>
@@ -4639,7 +4639,7 @@
           <a:p>
             <a:fld id="{C4408324-A84C-4A45-93B6-78D079CCE772}" type="datetime1">
               <a:rPr lang="en-US" smtClean="0"/>
-              <a:t>2/3/2021</a:t>
+              <a:t>2/9/2021</a:t>
             </a:fld>
             <a:endParaRPr lang="en-US" dirty="0"/>
           </a:p>
@@ -5385,7 +5385,7 @@
           <a:p>
             <a:fld id="{C4408324-A84C-4A45-93B6-78D079CCE772}" type="datetime1">
               <a:rPr lang="en-US" smtClean="0"/>
-              <a:t>2/3/2021</a:t>
+              <a:t>2/9/2021</a:t>
             </a:fld>
             <a:endParaRPr lang="en-US" dirty="0"/>
           </a:p>
